--- a/slides/CS269-06.pptx
+++ b/slides/CS269-06.pptx
@@ -6,7 +6,7 @@
     <p:sldMasterId id="2147483685" r:id="rId2"/>
   </p:sldMasterIdLst>
   <p:notesMasterIdLst>
-    <p:notesMasterId r:id="rId29"/>
+    <p:notesMasterId r:id="rId28"/>
   </p:notesMasterIdLst>
   <p:sldIdLst>
     <p:sldId id="256" r:id="rId3"/>
@@ -30,11 +30,10 @@
     <p:sldId id="273" r:id="rId21"/>
     <p:sldId id="274" r:id="rId22"/>
     <p:sldId id="275" r:id="rId23"/>
-    <p:sldId id="276" r:id="rId24"/>
-    <p:sldId id="277" r:id="rId25"/>
-    <p:sldId id="278" r:id="rId26"/>
-    <p:sldId id="279" r:id="rId27"/>
-    <p:sldId id="280" r:id="rId28"/>
+    <p:sldId id="277" r:id="rId24"/>
+    <p:sldId id="278" r:id="rId25"/>
+    <p:sldId id="279" r:id="rId26"/>
+    <p:sldId id="280" r:id="rId27"/>
   </p:sldIdLst>
   <p:sldSz cx="9144000" cy="6858000" type="screen4x3"/>
   <p:notesSz cx="6858000" cy="9144000"/>
@@ -1069,90 +1068,6 @@
     <p:extLst>
       <p:ext uri="{BB962C8B-B14F-4D97-AF65-F5344CB8AC3E}">
         <p14:creationId xmlns:p14="http://schemas.microsoft.com/office/powerpoint/2010/main" val="1274884612"/>
-      </p:ext>
-    </p:extLst>
-  </p:cSld>
-  <p:clrMapOvr>
-    <a:masterClrMapping/>
-  </p:clrMapOvr>
-</p:notes>
-</file>
-
-<file path=ppt/notesSlides/notesSlide16.xml><?xml version="1.0" encoding="utf-8"?>
-<p:notes xmlns:a="http://schemas.openxmlformats.org/drawingml/2006/main" xmlns:r="http://schemas.openxmlformats.org/officeDocument/2006/relationships" xmlns:p="http://schemas.openxmlformats.org/presentationml/2006/main">
-  <p:cSld>
-    <p:spTree>
-      <p:nvGrpSpPr>
-        <p:cNvPr id="1" name=""/>
-        <p:cNvGrpSpPr/>
-        <p:nvPr/>
-      </p:nvGrpSpPr>
-      <p:grpSpPr>
-        <a:xfrm>
-          <a:off x="0" y="0"/>
-          <a:ext cx="0" cy="0"/>
-          <a:chOff x="0" y="0"/>
-          <a:chExt cx="0" cy="0"/>
-        </a:xfrm>
-      </p:grpSpPr>
-      <p:sp>
-        <p:nvSpPr>
-          <p:cNvPr id="2" name="Slide Image Placeholder 1"/>
-          <p:cNvSpPr>
-            <a:spLocks noGrp="1" noRot="1" noChangeAspect="1"/>
-          </p:cNvSpPr>
-          <p:nvPr>
-            <p:ph type="sldImg"/>
-          </p:nvPr>
-        </p:nvSpPr>
-        <p:spPr/>
-      </p:sp>
-      <p:sp>
-        <p:nvSpPr>
-          <p:cNvPr id="3" name="Notes Placeholder 2"/>
-          <p:cNvSpPr>
-            <a:spLocks noGrp="1"/>
-          </p:cNvSpPr>
-          <p:nvPr>
-            <p:ph type="body" idx="1"/>
-          </p:nvPr>
-        </p:nvSpPr>
-        <p:spPr/>
-        <p:txBody>
-          <a:bodyPr/>
-          <a:lstStyle/>
-          <a:p>
-            <a:endParaRPr lang="en-US" dirty="0"/>
-          </a:p>
-        </p:txBody>
-      </p:sp>
-      <p:sp>
-        <p:nvSpPr>
-          <p:cNvPr id="4" name="Slide Number Placeholder 3"/>
-          <p:cNvSpPr>
-            <a:spLocks noGrp="1"/>
-          </p:cNvSpPr>
-          <p:nvPr>
-            <p:ph type="sldNum" sz="quarter" idx="10"/>
-          </p:nvPr>
-        </p:nvSpPr>
-        <p:spPr/>
-        <p:txBody>
-          <a:bodyPr/>
-          <a:lstStyle/>
-          <a:p>
-            <a:fld id="{2CCA99D1-313B-447B-B1F7-051EC4AE5B8B}" type="slidenum">
-              <a:rPr lang="en-US" smtClean="0"/>
-              <a:t>22</a:t>
-            </a:fld>
-            <a:endParaRPr lang="en-US"/>
-          </a:p>
-        </p:txBody>
-      </p:sp>
-    </p:spTree>
-    <p:extLst>
-      <p:ext uri="{BB962C8B-B14F-4D97-AF65-F5344CB8AC3E}">
-        <p14:creationId xmlns:p14="http://schemas.microsoft.com/office/powerpoint/2010/main" val="512594"/>
       </p:ext>
     </p:extLst>
   </p:cSld>
@@ -23952,6 +23867,13 @@
   <p:clrMapOvr>
     <a:masterClrMapping/>
   </p:clrMapOvr>
+  <p:timing>
+    <p:tnLst>
+      <p:par>
+        <p:cTn id="1" dur="indefinite" restart="never" nodeType="tmRoot"/>
+      </p:par>
+    </p:tnLst>
+  </p:timing>
 </p:sld>
 </file>
 
@@ -25308,6 +25230,99 @@
           </a:p>
         </p:txBody>
       </p:sp>
+      <p:sp>
+        <p:nvSpPr>
+          <p:cNvPr id="6" name="TextBox 5"/>
+          <p:cNvSpPr txBox="1"/>
+          <p:nvPr/>
+        </p:nvSpPr>
+        <p:spPr>
+          <a:xfrm>
+            <a:off x="3973445" y="3994484"/>
+            <a:ext cx="5083310" cy="1015663"/>
+          </a:xfrm>
+          <a:prstGeom prst="rect">
+            <a:avLst/>
+          </a:prstGeom>
+          <a:noFill/>
+          <a:ln w="38100">
+            <a:solidFill>
+              <a:srgbClr val="3C58AD"/>
+            </a:solidFill>
+          </a:ln>
+        </p:spPr>
+        <p:txBody>
+          <a:bodyPr wrap="square" rtlCol="0">
+            <a:spAutoFit/>
+          </a:bodyPr>
+          <a:lstStyle/>
+          <a:p>
+            <a:r>
+              <a:rPr lang="en-US" sz="3000" dirty="0" smtClean="0"/>
+              <a:t>This part is the same as training </a:t>
+            </a:r>
+            <a:br>
+              <a:rPr lang="en-US" sz="3000" dirty="0" smtClean="0"/>
+            </a:br>
+            <a:r>
+              <a:rPr lang="en-US" sz="3000" dirty="0" smtClean="0"/>
+              <a:t>a POS tagging model</a:t>
+            </a:r>
+            <a:endParaRPr lang="en-US" sz="3000" dirty="0"/>
+          </a:p>
+        </p:txBody>
+      </p:sp>
+      <p:sp>
+        <p:nvSpPr>
+          <p:cNvPr id="7" name="Rectangle 6"/>
+          <p:cNvSpPr/>
+          <p:nvPr/>
+        </p:nvSpPr>
+        <p:spPr>
+          <a:xfrm>
+            <a:off x="4017747" y="5329306"/>
+            <a:ext cx="5039008" cy="707886"/>
+          </a:xfrm>
+          <a:prstGeom prst="rect">
+            <a:avLst/>
+          </a:prstGeom>
+          <a:ln>
+            <a:solidFill>
+              <a:srgbClr val="3C58AD"/>
+            </a:solidFill>
+          </a:ln>
+        </p:spPr>
+        <p:txBody>
+          <a:bodyPr wrap="none">
+            <a:spAutoFit/>
+          </a:bodyPr>
+          <a:lstStyle/>
+          <a:p>
+            <a:r>
+              <a:rPr lang="en-US" sz="2000" smtClean="0"/>
+              <a:t>See section 9.2:</a:t>
+            </a:r>
+          </a:p>
+          <a:p>
+            <a:r>
+              <a:rPr lang="en-US" sz="2000" dirty="0" smtClean="0"/>
+              <a:t>http</a:t>
+            </a:r>
+            <a:r>
+              <a:rPr lang="en-US" sz="2000" dirty="0"/>
+              <a:t>://</a:t>
+            </a:r>
+            <a:r>
+              <a:rPr lang="en-US" sz="2000" dirty="0" err="1"/>
+              <a:t>ciml.info</a:t>
+            </a:r>
+            <a:r>
+              <a:rPr lang="en-US" sz="2000" dirty="0"/>
+              <a:t>/dl/v0_99/ciml-v0_99-ch09.pdf</a:t>
+            </a:r>
+          </a:p>
+        </p:txBody>
+      </p:sp>
     </p:spTree>
     <p:extLst>
       <p:ext uri="{BB962C8B-B14F-4D97-AF65-F5344CB8AC3E}">
@@ -25490,8 +25505,8 @@
           </p:sp>
         </mc:Fallback>
       </mc:AlternateContent>
-      <mc:AlternateContent xmlns:mc="http://schemas.openxmlformats.org/markup-compatibility/2006" xmlns:a14="http://schemas.microsoft.com/office/drawing/2010/main">
-        <mc:Choice Requires="a14">
+      <mc:AlternateContent xmlns:mc="http://schemas.openxmlformats.org/markup-compatibility/2006">
+        <mc:Choice xmlns:a14="http://schemas.microsoft.com/office/drawing/2010/main" Requires="a14">
           <p:sp>
             <p:nvSpPr>
               <p:cNvPr id="3" name="Content Placeholder 2"/>
@@ -25505,7 +25520,7 @@
             <p:spPr/>
             <p:txBody>
               <a:bodyPr>
-                <a:normAutofit/>
+                <a:normAutofit lnSpcReduction="10000"/>
               </a:bodyPr>
               <a:lstStyle/>
               <a:p>
@@ -26551,6 +26566,121 @@
                     </m:f>
                   </m:oMath>
                 </a14:m>
+                <a:r>
+                  <a:rPr lang="en-US" dirty="0" smtClean="0"/>
+                  <a:t> </a:t>
+                </a:r>
+              </a:p>
+              <a:p>
+                <a:pPr lvl="1"/>
+                <a14:m>
+                  <m:oMath xmlns:m="http://schemas.openxmlformats.org/officeDocument/2006/math">
+                    <m:r>
+                      <a:rPr lang="en-US" sz="2400" i="1">
+                        <a:latin typeface="Cambria Math" charset="0"/>
+                      </a:rPr>
+                      <m:t>𝑐</m:t>
+                    </m:r>
+                  </m:oMath>
+                </a14:m>
+                <a:r>
+                  <a:rPr lang="en-US" dirty="0" smtClean="0"/>
+                  <a:t>: cluster of </a:t>
+                </a:r>
+                <a14:m>
+                  <m:oMath xmlns:m="http://schemas.openxmlformats.org/officeDocument/2006/math">
+                    <m:sSub>
+                      <m:sSubPr>
+                        <m:ctrlPr>
+                          <a:rPr lang="en-US" sz="2800" i="1">
+                            <a:latin typeface="Cambria Math" charset="0"/>
+                          </a:rPr>
+                        </m:ctrlPr>
+                      </m:sSubPr>
+                      <m:e>
+                        <m:r>
+                          <m:rPr>
+                            <m:sty m:val="p"/>
+                          </m:rPr>
+                          <a:rPr lang="en-US" sz="2800">
+                            <a:latin typeface="Cambria Math" charset="0"/>
+                          </a:rPr>
+                          <m:t>w</m:t>
+                        </m:r>
+                      </m:e>
+                      <m:sub>
+                        <m:r>
+                          <a:rPr lang="en-US" sz="2800" i="1">
+                            <a:latin typeface="Cambria Math" charset="0"/>
+                          </a:rPr>
+                          <m:t>𝑖</m:t>
+                        </m:r>
+                      </m:sub>
+                    </m:sSub>
+                  </m:oMath>
+                </a14:m>
+                <a:r>
+                  <a:rPr lang="en-US" dirty="0" smtClean="0"/>
+                  <a:t>, </a:t>
+                </a:r>
+                <a14:m>
+                  <m:oMath xmlns:m="http://schemas.openxmlformats.org/officeDocument/2006/math">
+                    <m:r>
+                      <a:rPr lang="en-US" sz="2800" i="1">
+                        <a:latin typeface="Cambria Math" charset="0"/>
+                      </a:rPr>
+                      <m:t>𝑐</m:t>
+                    </m:r>
+                    <m:r>
+                      <a:rPr lang="en-US" sz="2800" b="0" i="1" smtClean="0">
+                        <a:latin typeface="Cambria Math" charset="0"/>
+                      </a:rPr>
+                      <m:t>′</m:t>
+                    </m:r>
+                  </m:oMath>
+                </a14:m>
+                <a:r>
+                  <a:rPr lang="en-US" dirty="0"/>
+                  <a:t>:cluster of </a:t>
+                </a:r>
+                <a14:m>
+                  <m:oMath xmlns:m="http://schemas.openxmlformats.org/officeDocument/2006/math">
+                    <m:sSub>
+                      <m:sSubPr>
+                        <m:ctrlPr>
+                          <a:rPr lang="en-US" sz="2400" i="1">
+                            <a:latin typeface="Cambria Math" charset="0"/>
+                          </a:rPr>
+                        </m:ctrlPr>
+                      </m:sSubPr>
+                      <m:e>
+                        <m:r>
+                          <m:rPr>
+                            <m:sty m:val="p"/>
+                          </m:rPr>
+                          <a:rPr lang="en-US" sz="2400">
+                            <a:latin typeface="Cambria Math" charset="0"/>
+                          </a:rPr>
+                          <m:t>w</m:t>
+                        </m:r>
+                      </m:e>
+                      <m:sub>
+                        <m:r>
+                          <a:rPr lang="en-US" sz="2400" i="1">
+                            <a:latin typeface="Cambria Math" charset="0"/>
+                          </a:rPr>
+                          <m:t>𝑖</m:t>
+                        </m:r>
+                        <m:r>
+                          <a:rPr lang="en-US" sz="2400" b="0" i="1" smtClean="0">
+                            <a:latin typeface="Cambria Math" charset="0"/>
+                          </a:rPr>
+                          <m:t>−1</m:t>
+                        </m:r>
+                      </m:sub>
+                    </m:sSub>
+                  </m:oMath>
+                </a14:m>
                 <a:endParaRPr lang="en-US" dirty="0"/>
               </a:p>
               <a:p>
@@ -26821,7 +26951,7 @@
             </p:txBody>
           </p:sp>
         </mc:Choice>
-        <mc:Fallback xmlns="">
+        <mc:Fallback>
           <p:sp>
             <p:nvSpPr>
               <p:cNvPr id="3" name="Content Placeholder 2"/>
@@ -26836,7 +26966,7 @@
               <a:blipFill rotWithShape="0">
                 <a:blip r:embed="rId4"/>
                 <a:stretch>
-                  <a:fillRect t="-8571"/>
+                  <a:fillRect t="-9565"/>
                 </a:stretch>
               </a:blipFill>
             </p:spPr>
@@ -26898,6 +27028,78 @@
               <a:t>6501 Natural Language Processing</a:t>
             </a:r>
             <a:endParaRPr lang="en-US" dirty="0"/>
+          </a:p>
+        </p:txBody>
+      </p:sp>
+      <p:sp>
+        <p:nvSpPr>
+          <p:cNvPr id="6" name="Rectangle 5"/>
+          <p:cNvSpPr/>
+          <p:nvPr/>
+        </p:nvSpPr>
+        <p:spPr>
+          <a:xfrm>
+            <a:off x="4148889" y="2708249"/>
+            <a:ext cx="4732422" cy="1015663"/>
+          </a:xfrm>
+          <a:prstGeom prst="rect">
+            <a:avLst/>
+          </a:prstGeom>
+          <a:ln>
+            <a:solidFill>
+              <a:srgbClr val="3C58AD"/>
+            </a:solidFill>
+          </a:ln>
+        </p:spPr>
+        <p:txBody>
+          <a:bodyPr wrap="square">
+            <a:spAutoFit/>
+          </a:bodyPr>
+          <a:lstStyle/>
+          <a:p>
+            <a:r>
+              <a:rPr lang="en-US" sz="2000" dirty="0" smtClean="0"/>
+              <a:t>See </a:t>
+            </a:r>
+            <a:r>
+              <a:rPr lang="en-US" sz="2000" dirty="0" err="1" smtClean="0"/>
+              <a:t>classnote</a:t>
+            </a:r>
+            <a:r>
+              <a:rPr lang="en-US" sz="2000" dirty="0" smtClean="0"/>
+              <a:t> here:</a:t>
+            </a:r>
+          </a:p>
+          <a:p>
+            <a:r>
+              <a:rPr lang="en-US" sz="2000" dirty="0" smtClean="0"/>
+              <a:t>http</a:t>
+            </a:r>
+            <a:r>
+              <a:rPr lang="en-US" sz="2000" dirty="0"/>
+              <a:t>://</a:t>
+            </a:r>
+            <a:r>
+              <a:rPr lang="en-US" sz="2000" dirty="0" err="1"/>
+              <a:t>web.cs.ucla.edu</a:t>
+            </a:r>
+            <a:r>
+              <a:rPr lang="en-US" sz="2000" dirty="0"/>
+              <a:t>/~</a:t>
+            </a:r>
+            <a:r>
+              <a:rPr lang="en-US" sz="2000" dirty="0" err="1"/>
+              <a:t>kwchang</a:t>
+            </a:r>
+            <a:r>
+              <a:rPr lang="en-US" sz="2000" dirty="0"/>
+              <a:t>/teaching/NLP16/slides/</a:t>
+            </a:r>
+            <a:r>
+              <a:rPr lang="en-US" sz="2000" dirty="0" err="1"/>
+              <a:t>classnote.pdf</a:t>
+            </a:r>
+            <a:endParaRPr lang="en-US" sz="2000" dirty="0"/>
           </a:p>
         </p:txBody>
       </p:sp>
@@ -26922,987 +27124,6 @@
 </file>
 
 <file path=ppt/slides/slide22.xml><?xml version="1.0" encoding="utf-8"?>
-<p:sld xmlns:a="http://schemas.openxmlformats.org/drawingml/2006/main" xmlns:r="http://schemas.openxmlformats.org/officeDocument/2006/relationships" xmlns:p="http://schemas.openxmlformats.org/presentationml/2006/main">
-  <p:cSld>
-    <p:spTree>
-      <p:nvGrpSpPr>
-        <p:cNvPr id="1" name=""/>
-        <p:cNvGrpSpPr/>
-        <p:nvPr/>
-      </p:nvGrpSpPr>
-      <p:grpSpPr>
-        <a:xfrm>
-          <a:off x="0" y="0"/>
-          <a:ext cx="0" cy="0"/>
-          <a:chOff x="0" y="0"/>
-          <a:chExt cx="0" cy="0"/>
-        </a:xfrm>
-      </p:grpSpPr>
-      <mc:AlternateContent xmlns:mc="http://schemas.openxmlformats.org/markup-compatibility/2006" xmlns:a14="http://schemas.microsoft.com/office/drawing/2010/main">
-        <mc:Choice Requires="a14">
-          <p:sp>
-            <p:nvSpPr>
-              <p:cNvPr id="2" name="Title 1"/>
-              <p:cNvSpPr>
-                <a:spLocks noGrp="1"/>
-              </p:cNvSpPr>
-              <p:nvPr>
-                <p:ph type="title"/>
-              </p:nvPr>
-            </p:nvSpPr>
-            <p:spPr>
-              <a:xfrm>
-                <a:off x="628650" y="381030"/>
-                <a:ext cx="7886700" cy="673260"/>
-              </a:xfrm>
-            </p:spPr>
-            <p:txBody>
-              <a:bodyPr/>
-              <a:lstStyle/>
-              <a:p>
-                <a:pPr/>
-                <a14:m>
-                  <m:oMathPara xmlns:m="http://schemas.openxmlformats.org/officeDocument/2006/math">
-                    <m:oMathParaPr>
-                      <m:jc m:val="centerGroup"/>
-                    </m:oMathParaPr>
-                    <m:oMath xmlns:m="http://schemas.openxmlformats.org/officeDocument/2006/math">
-                      <m:limLow>
-                        <m:limLowPr>
-                          <m:ctrlPr>
-                            <a:rPr lang="en-US" sz="3200" i="1">
-                              <a:latin typeface="Cambria Math" charset="0"/>
-                            </a:rPr>
-                          </m:ctrlPr>
-                        </m:limLowPr>
-                        <m:e>
-                          <m:r>
-                            <m:rPr>
-                              <m:sty m:val="p"/>
-                            </m:rPr>
-                            <a:rPr lang="en-US" sz="3200">
-                              <a:latin typeface="Cambria Math" charset="0"/>
-                            </a:rPr>
-                            <m:t>max</m:t>
-                          </m:r>
-                        </m:e>
-                        <m:lim>
-                          <m:r>
-                            <a:rPr lang="en-US" sz="3200" i="1">
-                              <a:latin typeface="Cambria Math" charset="0"/>
-                            </a:rPr>
-                            <m:t>𝐶</m:t>
-                          </m:r>
-                        </m:lim>
-                      </m:limLow>
-                      <m:r>
-                        <a:rPr lang="en-US" sz="3200" i="1">
-                          <a:latin typeface="Cambria Math" charset="0"/>
-                        </a:rPr>
-                        <m:t> </m:t>
-                      </m:r>
-                      <m:r>
-                        <a:rPr lang="en-US" sz="3200" i="1">
-                          <a:latin typeface="Cambria Math" charset="0"/>
-                        </a:rPr>
-                        <m:t>𝐿𝐿</m:t>
-                      </m:r>
-                      <m:r>
-                        <a:rPr lang="en-US" sz="3200" i="1">
-                          <a:latin typeface="Cambria Math" charset="0"/>
-                        </a:rPr>
-                        <m:t>(</m:t>
-                      </m:r>
-                      <m:r>
-                        <a:rPr lang="en-US" sz="3200" i="1">
-                          <a:latin typeface="Cambria Math" charset="0"/>
-                        </a:rPr>
-                        <m:t>𝜃</m:t>
-                      </m:r>
-                      <m:r>
-                        <a:rPr lang="en-US" sz="3200" i="1">
-                          <a:latin typeface="Cambria Math" charset="0"/>
-                        </a:rPr>
-                        <m:t>,</m:t>
-                      </m:r>
-                      <m:r>
-                        <a:rPr lang="en-US" sz="3200" i="1">
-                          <a:latin typeface="Cambria Math" charset="0"/>
-                        </a:rPr>
-                        <m:t>𝐶</m:t>
-                      </m:r>
-                      <m:r>
-                        <a:rPr lang="en-US" sz="3200" i="1">
-                          <a:latin typeface="Cambria Math" charset="0"/>
-                        </a:rPr>
-                        <m:t>)</m:t>
-                      </m:r>
-                    </m:oMath>
-                  </m:oMathPara>
-                </a14:m>
-                <a:endParaRPr lang="en-US" dirty="0"/>
-              </a:p>
-            </p:txBody>
-          </p:sp>
-        </mc:Choice>
-        <mc:Fallback xmlns="">
-          <p:sp>
-            <p:nvSpPr>
-              <p:cNvPr id="2" name="Title 1"/>
-              <p:cNvSpPr>
-                <a:spLocks noGrp="1" noRot="1" noChangeAspect="1" noMove="1" noResize="1" noEditPoints="1" noAdjustHandles="1" noChangeArrowheads="1" noChangeShapeType="1" noTextEdit="1"/>
-              </p:cNvSpPr>
-              <p:nvPr>
-                <p:ph type="title"/>
-              </p:nvPr>
-            </p:nvSpPr>
-            <p:spPr>
-              <a:xfrm>
-                <a:off x="628650" y="381030"/>
-                <a:ext cx="7886700" cy="673260"/>
-              </a:xfrm>
-              <a:blipFill rotWithShape="0">
-                <a:blip r:embed="rId3"/>
-                <a:stretch>
-                  <a:fillRect/>
-                </a:stretch>
-              </a:blipFill>
-            </p:spPr>
-            <p:txBody>
-              <a:bodyPr/>
-              <a:lstStyle/>
-              <a:p>
-                <a:r>
-                  <a:rPr lang="en-US">
-                    <a:noFill/>
-                  </a:rPr>
-                  <a:t> </a:t>
-                </a:r>
-              </a:p>
-            </p:txBody>
-          </p:sp>
-        </mc:Fallback>
-      </mc:AlternateContent>
-      <mc:AlternateContent xmlns:mc="http://schemas.openxmlformats.org/markup-compatibility/2006" xmlns:a14="http://schemas.microsoft.com/office/drawing/2010/main">
-        <mc:Choice Requires="a14">
-          <p:sp>
-            <p:nvSpPr>
-              <p:cNvPr id="3" name="Content Placeholder 2"/>
-              <p:cNvSpPr>
-                <a:spLocks noGrp="1"/>
-              </p:cNvSpPr>
-              <p:nvPr>
-                <p:ph idx="1"/>
-              </p:nvPr>
-            </p:nvSpPr>
-            <p:spPr/>
-            <p:txBody>
-              <a:bodyPr>
-                <a:normAutofit/>
-              </a:bodyPr>
-              <a:lstStyle/>
-              <a:p>
-                <a:pPr marL="57150" indent="0">
-                  <a:buNone/>
-                </a:pPr>
-                <a:r>
-                  <a:rPr lang="en-US" sz="2400" dirty="0" smtClean="0"/>
-                  <a:t> </a:t>
-                </a:r>
-                <a14:m>
-                  <m:oMath xmlns:m="http://schemas.openxmlformats.org/officeDocument/2006/math">
-                    <m:limLow>
-                      <m:limLowPr>
-                        <m:ctrlPr>
-                          <a:rPr lang="en-US" sz="2400" b="0" i="1" smtClean="0">
-                            <a:latin typeface="Cambria Math" charset="0"/>
-                          </a:rPr>
-                        </m:ctrlPr>
-                      </m:limLowPr>
-                      <m:e>
-                        <m:r>
-                          <m:rPr>
-                            <m:sty m:val="p"/>
-                          </m:rPr>
-                          <a:rPr lang="en-US" sz="2400" b="0" i="0" smtClean="0">
-                            <a:latin typeface="Cambria Math" charset="0"/>
-                          </a:rPr>
-                          <m:t>max</m:t>
-                        </m:r>
-                      </m:e>
-                      <m:lim>
-                        <m:r>
-                          <a:rPr lang="en-US" sz="2400" b="0" i="1" smtClean="0">
-                            <a:latin typeface="Cambria Math" charset="0"/>
-                          </a:rPr>
-                          <m:t>𝐶</m:t>
-                        </m:r>
-                      </m:lim>
-                    </m:limLow>
-                    <m:r>
-                      <a:rPr lang="en-US" sz="2400" i="1">
-                        <a:latin typeface="Cambria Math" charset="0"/>
-                      </a:rPr>
-                      <m:t> </m:t>
-                    </m:r>
-                    <m:r>
-                      <a:rPr lang="en-US" sz="2400" b="0" i="1" smtClean="0">
-                        <a:latin typeface="Cambria Math" charset="0"/>
-                      </a:rPr>
-                      <m:t> </m:t>
-                    </m:r>
-                    <m:sSubSup>
-                      <m:sSubSupPr>
-                        <m:ctrlPr>
-                          <a:rPr lang="en-US" sz="2400" i="1">
-                            <a:latin typeface="Cambria Math" charset="0"/>
-                          </a:rPr>
-                        </m:ctrlPr>
-                      </m:sSubSupPr>
-                      <m:e>
-                        <m:r>
-                          <a:rPr lang="en-US" sz="2400" b="0" i="1" smtClean="0">
-                            <a:latin typeface="Cambria Math" charset="0"/>
-                          </a:rPr>
-                          <m:t>∑</m:t>
-                        </m:r>
-                      </m:e>
-                      <m:sub>
-                        <m:r>
-                          <m:rPr>
-                            <m:sty m:val="p"/>
-                          </m:rPr>
-                          <a:rPr lang="en-US" sz="2400">
-                            <a:latin typeface="Cambria Math" charset="0"/>
-                          </a:rPr>
-                          <m:t>i</m:t>
-                        </m:r>
-                        <m:r>
-                          <a:rPr lang="en-US" sz="2400">
-                            <a:latin typeface="Cambria Math" charset="0"/>
-                          </a:rPr>
-                          <m:t>=1 </m:t>
-                        </m:r>
-                      </m:sub>
-                      <m:sup>
-                        <m:r>
-                          <m:rPr>
-                            <m:sty m:val="p"/>
-                          </m:rPr>
-                          <a:rPr lang="en-US" sz="2400">
-                            <a:latin typeface="Cambria Math" charset="0"/>
-                          </a:rPr>
-                          <m:t>n</m:t>
-                        </m:r>
-                      </m:sup>
-                    </m:sSubSup>
-                    <m:r>
-                      <a:rPr lang="en-US" sz="2400" b="0" i="0" smtClean="0">
-                        <a:latin typeface="Cambria Math" charset="0"/>
-                      </a:rPr>
-                      <m:t>[</m:t>
-                    </m:r>
-                    <m:r>
-                      <m:rPr>
-                        <m:sty m:val="p"/>
-                      </m:rPr>
-                      <a:rPr lang="en-US" sz="2400" b="0" i="0" smtClean="0">
-                        <a:latin typeface="Cambria Math" charset="0"/>
-                      </a:rPr>
-                      <m:t>log</m:t>
-                    </m:r>
-                    <m:r>
-                      <a:rPr lang="en-US" sz="2400" b="0" i="0" smtClean="0">
-                        <a:latin typeface="Cambria Math" charset="0"/>
-                      </a:rPr>
-                      <m:t> </m:t>
-                    </m:r>
-                    <m:r>
-                      <m:rPr>
-                        <m:sty m:val="p"/>
-                      </m:rPr>
-                      <a:rPr lang="en-US" sz="2400">
-                        <a:latin typeface="Cambria Math" charset="0"/>
-                      </a:rPr>
-                      <m:t>P</m:t>
-                    </m:r>
-                    <m:d>
-                      <m:dPr>
-                        <m:sepChr m:val="∣"/>
-                        <m:ctrlPr>
-                          <a:rPr lang="en-US" sz="2400" i="1">
-                            <a:latin typeface="Cambria Math" charset="0"/>
-                          </a:rPr>
-                        </m:ctrlPr>
-                      </m:dPr>
-                      <m:e>
-                        <m:r>
-                          <a:rPr lang="en-US" sz="2400" i="1">
-                            <a:latin typeface="Cambria Math" charset="0"/>
-                          </a:rPr>
-                          <m:t>𝐶</m:t>
-                        </m:r>
-                        <m:d>
-                          <m:dPr>
-                            <m:ctrlPr>
-                              <a:rPr lang="en-US" sz="2400" i="1">
-                                <a:latin typeface="Cambria Math" charset="0"/>
-                              </a:rPr>
-                            </m:ctrlPr>
-                          </m:dPr>
-                          <m:e>
-                            <m:sSub>
-                              <m:sSubPr>
-                                <m:ctrlPr>
-                                  <a:rPr lang="en-US" sz="2400" i="1">
-                                    <a:latin typeface="Cambria Math" charset="0"/>
-                                  </a:rPr>
-                                </m:ctrlPr>
-                              </m:sSubPr>
-                              <m:e>
-                                <m:r>
-                                  <m:rPr>
-                                    <m:sty m:val="p"/>
-                                  </m:rPr>
-                                  <a:rPr lang="en-US" sz="2400">
-                                    <a:latin typeface="Cambria Math" charset="0"/>
-                                  </a:rPr>
-                                  <m:t>w</m:t>
-                                </m:r>
-                              </m:e>
-                              <m:sub>
-                                <m:r>
-                                  <a:rPr lang="en-US" sz="2400" i="1">
-                                    <a:latin typeface="Cambria Math" charset="0"/>
-                                  </a:rPr>
-                                  <m:t>𝑖</m:t>
-                                </m:r>
-                              </m:sub>
-                            </m:sSub>
-                          </m:e>
-                        </m:d>
-                      </m:e>
-                      <m:e>
-                        <m:r>
-                          <a:rPr lang="en-US" sz="2400" i="1">
-                            <a:latin typeface="Cambria Math" charset="0"/>
-                          </a:rPr>
-                          <m:t>𝐶</m:t>
-                        </m:r>
-                        <m:d>
-                          <m:dPr>
-                            <m:ctrlPr>
-                              <a:rPr lang="en-US" sz="2400" i="1">
-                                <a:latin typeface="Cambria Math" charset="0"/>
-                              </a:rPr>
-                            </m:ctrlPr>
-                          </m:dPr>
-                          <m:e>
-                            <m:sSub>
-                              <m:sSubPr>
-                                <m:ctrlPr>
-                                  <a:rPr lang="en-US" sz="2400" i="1">
-                                    <a:latin typeface="Cambria Math" charset="0"/>
-                                  </a:rPr>
-                                </m:ctrlPr>
-                              </m:sSubPr>
-                              <m:e>
-                                <m:r>
-                                  <a:rPr lang="en-US" sz="2400" i="1">
-                                    <a:latin typeface="Cambria Math" charset="0"/>
-                                  </a:rPr>
-                                  <m:t>𝑤</m:t>
-                                </m:r>
-                              </m:e>
-                              <m:sub>
-                                <m:r>
-                                  <a:rPr lang="en-US" sz="2400" i="1">
-                                    <a:latin typeface="Cambria Math" charset="0"/>
-                                  </a:rPr>
-                                  <m:t>𝑖</m:t>
-                                </m:r>
-                                <m:r>
-                                  <a:rPr lang="en-US" sz="2400" i="1">
-                                    <a:latin typeface="Cambria Math" charset="0"/>
-                                  </a:rPr>
-                                  <m:t>−1</m:t>
-                                </m:r>
-                              </m:sub>
-                            </m:sSub>
-                          </m:e>
-                        </m:d>
-                      </m:e>
-                    </m:d>
-                    <m:r>
-                      <a:rPr lang="en-US" sz="2400" b="0" i="1" smtClean="0">
-                        <a:latin typeface="Cambria Math" charset="0"/>
-                      </a:rPr>
-                      <m:t>+</m:t>
-                    </m:r>
-                    <m:func>
-                      <m:funcPr>
-                        <m:ctrlPr>
-                          <a:rPr lang="en-US" sz="2400" b="0" i="1" smtClean="0">
-                            <a:latin typeface="Cambria Math" charset="0"/>
-                          </a:rPr>
-                        </m:ctrlPr>
-                      </m:funcPr>
-                      <m:fName>
-                        <m:r>
-                          <m:rPr>
-                            <m:sty m:val="p"/>
-                          </m:rPr>
-                          <a:rPr lang="en-US" sz="2400" b="0" i="0" smtClean="0">
-                            <a:latin typeface="Cambria Math" charset="0"/>
-                          </a:rPr>
-                          <m:t>log</m:t>
-                        </m:r>
-                      </m:fName>
-                      <m:e>
-                        <m:r>
-                          <a:rPr lang="en-US" sz="2400" i="1">
-                            <a:latin typeface="Cambria Math" charset="0"/>
-                          </a:rPr>
-                          <m:t>𝑃</m:t>
-                        </m:r>
-                        <m:r>
-                          <a:rPr lang="en-US" sz="2400" i="1">
-                            <a:latin typeface="Cambria Math" charset="0"/>
-                          </a:rPr>
-                          <m:t>(</m:t>
-                        </m:r>
-                        <m:sSub>
-                          <m:sSubPr>
-                            <m:ctrlPr>
-                              <a:rPr lang="en-US" sz="2400" i="1">
-                                <a:latin typeface="Cambria Math" charset="0"/>
-                              </a:rPr>
-                            </m:ctrlPr>
-                          </m:sSubPr>
-                          <m:e>
-                            <m:r>
-                              <a:rPr lang="en-US" sz="2400" i="1">
-                                <a:latin typeface="Cambria Math" charset="0"/>
-                              </a:rPr>
-                              <m:t>𝑤</m:t>
-                            </m:r>
-                          </m:e>
-                          <m:sub>
-                            <m:r>
-                              <a:rPr lang="en-US" sz="2400" i="1">
-                                <a:latin typeface="Cambria Math" charset="0"/>
-                              </a:rPr>
-                              <m:t>𝑖</m:t>
-                            </m:r>
-                          </m:sub>
-                        </m:sSub>
-                        <m:r>
-                          <a:rPr lang="en-US" sz="2400" i="1">
-                            <a:latin typeface="Cambria Math" charset="0"/>
-                          </a:rPr>
-                          <m:t>∣</m:t>
-                        </m:r>
-                        <m:r>
-                          <a:rPr lang="en-US" sz="2400" i="1">
-                            <a:latin typeface="Cambria Math" charset="0"/>
-                          </a:rPr>
-                          <m:t>𝐶</m:t>
-                        </m:r>
-                        <m:d>
-                          <m:dPr>
-                            <m:ctrlPr>
-                              <a:rPr lang="en-US" sz="2400" i="1">
-                                <a:latin typeface="Cambria Math" charset="0"/>
-                              </a:rPr>
-                            </m:ctrlPr>
-                          </m:dPr>
-                          <m:e>
-                            <m:sSub>
-                              <m:sSubPr>
-                                <m:ctrlPr>
-                                  <a:rPr lang="en-US" sz="2400" i="1">
-                                    <a:latin typeface="Cambria Math" charset="0"/>
-                                  </a:rPr>
-                                </m:ctrlPr>
-                              </m:sSubPr>
-                              <m:e>
-                                <m:r>
-                                  <a:rPr lang="en-US" sz="2400" i="1">
-                                    <a:latin typeface="Cambria Math" charset="0"/>
-                                  </a:rPr>
-                                  <m:t>𝑤</m:t>
-                                </m:r>
-                              </m:e>
-                              <m:sub>
-                                <m:r>
-                                  <a:rPr lang="en-US" sz="2400" i="1">
-                                    <a:latin typeface="Cambria Math" charset="0"/>
-                                  </a:rPr>
-                                  <m:t>𝑖</m:t>
-                                </m:r>
-                              </m:sub>
-                            </m:sSub>
-                          </m:e>
-                        </m:d>
-                        <m:r>
-                          <a:rPr lang="en-US" sz="2400" i="1">
-                            <a:latin typeface="Cambria Math" charset="0"/>
-                          </a:rPr>
-                          <m:t>)</m:t>
-                        </m:r>
-                        <m:r>
-                          <m:rPr>
-                            <m:nor/>
-                          </m:rPr>
-                          <a:rPr lang="en-US" sz="2400" dirty="0"/>
-                          <m:t> </m:t>
-                        </m:r>
-                      </m:e>
-                    </m:func>
-                    <m:r>
-                      <a:rPr lang="en-US" sz="2400" b="0" i="1" smtClean="0">
-                        <a:latin typeface="Cambria Math" charset="0"/>
-                      </a:rPr>
-                      <m:t>]</m:t>
-                    </m:r>
-                  </m:oMath>
-                </a14:m>
-                <a:endParaRPr lang="en-US" sz="2400" dirty="0" smtClean="0"/>
-              </a:p>
-              <a:p>
-                <a:pPr marL="342900" lvl="1" indent="0">
-                  <a:buNone/>
-                </a:pPr>
-                <a:r>
-                  <a:rPr lang="en-US" sz="2400" dirty="0" smtClean="0"/>
-                  <a:t>   = n </a:t>
-                </a:r>
-                <a14:m>
-                  <m:oMath xmlns:m="http://schemas.openxmlformats.org/officeDocument/2006/math">
-                    <m:nary>
-                      <m:naryPr>
-                        <m:chr m:val="∑"/>
-                        <m:ctrlPr>
-                          <a:rPr lang="en-US" sz="2400" b="0" i="1" smtClean="0">
-                            <a:latin typeface="Cambria Math" charset="0"/>
-                          </a:rPr>
-                        </m:ctrlPr>
-                      </m:naryPr>
-                      <m:sub>
-                        <m:r>
-                          <m:rPr>
-                            <m:brk m:alnAt="23"/>
-                          </m:rPr>
-                          <a:rPr lang="en-US" sz="2400" b="0" i="1" smtClean="0">
-                            <a:latin typeface="Cambria Math" charset="0"/>
-                          </a:rPr>
-                          <m:t>𝑐</m:t>
-                        </m:r>
-                        <m:r>
-                          <a:rPr lang="en-US" sz="2400" b="0" i="1" smtClean="0">
-                            <a:latin typeface="Cambria Math" charset="0"/>
-                          </a:rPr>
-                          <m:t>=1</m:t>
-                        </m:r>
-                      </m:sub>
-                      <m:sup>
-                        <m:r>
-                          <a:rPr lang="en-US" sz="2400" b="0" i="1" smtClean="0">
-                            <a:latin typeface="Cambria Math" charset="0"/>
-                          </a:rPr>
-                          <m:t>𝑘</m:t>
-                        </m:r>
-                      </m:sup>
-                      <m:e>
-                        <m:nary>
-                          <m:naryPr>
-                            <m:chr m:val="∑"/>
-                            <m:ctrlPr>
-                              <a:rPr lang="en-US" sz="2400" b="0" i="1" smtClean="0">
-                                <a:latin typeface="Cambria Math" charset="0"/>
-                              </a:rPr>
-                            </m:ctrlPr>
-                          </m:naryPr>
-                          <m:sub>
-                            <m:r>
-                              <a:rPr lang="en-US" sz="2400" b="0" i="1" smtClean="0">
-                                <a:latin typeface="Cambria Math" charset="0"/>
-                              </a:rPr>
-                              <m:t>𝑐</m:t>
-                            </m:r>
-                            <m:r>
-                              <a:rPr lang="en-US" sz="2400" b="0" i="1" smtClean="0">
-                                <a:latin typeface="Cambria Math" charset="0"/>
-                              </a:rPr>
-                              <m:t>′=1</m:t>
-                            </m:r>
-                          </m:sub>
-                          <m:sup>
-                            <m:r>
-                              <a:rPr lang="en-US" sz="2400" b="0" i="1" smtClean="0">
-                                <a:latin typeface="Cambria Math" charset="0"/>
-                              </a:rPr>
-                              <m:t>𝑘</m:t>
-                            </m:r>
-                          </m:sup>
-                          <m:e>
-                            <m:r>
-                              <a:rPr lang="en-US" sz="2400" b="0" i="1" smtClean="0">
-                                <a:latin typeface="Cambria Math" charset="0"/>
-                              </a:rPr>
-                              <m:t>𝑝</m:t>
-                            </m:r>
-                            <m:d>
-                              <m:dPr>
-                                <m:ctrlPr>
-                                  <a:rPr lang="en-US" sz="2400" b="0" i="1" smtClean="0">
-                                    <a:latin typeface="Cambria Math" charset="0"/>
-                                  </a:rPr>
-                                </m:ctrlPr>
-                              </m:dPr>
-                              <m:e>
-                                <m:r>
-                                  <a:rPr lang="en-US" sz="2400" b="0" i="1" smtClean="0">
-                                    <a:latin typeface="Cambria Math" charset="0"/>
-                                  </a:rPr>
-                                  <m:t>𝑐</m:t>
-                                </m:r>
-                                <m:r>
-                                  <a:rPr lang="en-US" sz="2400" b="0" i="1" smtClean="0">
-                                    <a:latin typeface="Cambria Math" charset="0"/>
-                                  </a:rPr>
-                                  <m:t>,</m:t>
-                                </m:r>
-                                <m:sSup>
-                                  <m:sSupPr>
-                                    <m:ctrlPr>
-                                      <a:rPr lang="en-US" sz="2400" b="0" i="1" smtClean="0">
-                                        <a:latin typeface="Cambria Math" charset="0"/>
-                                      </a:rPr>
-                                    </m:ctrlPr>
-                                  </m:sSupPr>
-                                  <m:e>
-                                    <m:r>
-                                      <a:rPr lang="en-US" sz="2400" b="0" i="1" smtClean="0">
-                                        <a:latin typeface="Cambria Math" charset="0"/>
-                                      </a:rPr>
-                                      <m:t>𝑐</m:t>
-                                    </m:r>
-                                  </m:e>
-                                  <m:sup>
-                                    <m:r>
-                                      <a:rPr lang="en-US" sz="2400" b="0" i="1" smtClean="0">
-                                        <a:latin typeface="Cambria Math" charset="0"/>
-                                      </a:rPr>
-                                      <m:t>′</m:t>
-                                    </m:r>
-                                  </m:sup>
-                                </m:sSup>
-                              </m:e>
-                            </m:d>
-                            <m:func>
-                              <m:funcPr>
-                                <m:ctrlPr>
-                                  <a:rPr lang="en-US" sz="2400" b="0" i="1" smtClean="0">
-                                    <a:latin typeface="Cambria Math" charset="0"/>
-                                  </a:rPr>
-                                </m:ctrlPr>
-                              </m:funcPr>
-                              <m:fName>
-                                <m:r>
-                                  <m:rPr>
-                                    <m:sty m:val="p"/>
-                                  </m:rPr>
-                                  <a:rPr lang="en-US" sz="2400" b="0" i="0" smtClean="0">
-                                    <a:latin typeface="Cambria Math" charset="0"/>
-                                  </a:rPr>
-                                  <m:t>log</m:t>
-                                </m:r>
-                              </m:fName>
-                              <m:e>
-                                <m:f>
-                                  <m:fPr>
-                                    <m:ctrlPr>
-                                      <a:rPr lang="en-US" sz="2400" b="0" i="1" smtClean="0">
-                                        <a:latin typeface="Cambria Math" charset="0"/>
-                                      </a:rPr>
-                                    </m:ctrlPr>
-                                  </m:fPr>
-                                  <m:num>
-                                    <m:r>
-                                      <a:rPr lang="en-US" sz="2400" b="0" i="1" smtClean="0">
-                                        <a:latin typeface="Cambria Math" charset="0"/>
-                                      </a:rPr>
-                                      <m:t>𝑝</m:t>
-                                    </m:r>
-                                    <m:d>
-                                      <m:dPr>
-                                        <m:ctrlPr>
-                                          <a:rPr lang="en-US" sz="2400" b="0" i="1" smtClean="0">
-                                            <a:latin typeface="Cambria Math" charset="0"/>
-                                          </a:rPr>
-                                        </m:ctrlPr>
-                                      </m:dPr>
-                                      <m:e>
-                                        <m:r>
-                                          <a:rPr lang="en-US" sz="2400" b="0" i="1" smtClean="0">
-                                            <a:latin typeface="Cambria Math" charset="0"/>
-                                          </a:rPr>
-                                          <m:t>𝑐</m:t>
-                                        </m:r>
-                                        <m:r>
-                                          <a:rPr lang="en-US" sz="2400" b="0" i="1" smtClean="0">
-                                            <a:latin typeface="Cambria Math" charset="0"/>
-                                          </a:rPr>
-                                          <m:t>,</m:t>
-                                        </m:r>
-                                        <m:sSup>
-                                          <m:sSupPr>
-                                            <m:ctrlPr>
-                                              <a:rPr lang="en-US" sz="2400" b="0" i="1" smtClean="0">
-                                                <a:latin typeface="Cambria Math" charset="0"/>
-                                              </a:rPr>
-                                            </m:ctrlPr>
-                                          </m:sSupPr>
-                                          <m:e>
-                                            <m:r>
-                                              <a:rPr lang="en-US" sz="2400" b="0" i="1" smtClean="0">
-                                                <a:latin typeface="Cambria Math" charset="0"/>
-                                              </a:rPr>
-                                              <m:t>𝑐</m:t>
-                                            </m:r>
-                                          </m:e>
-                                          <m:sup>
-                                            <m:r>
-                                              <a:rPr lang="en-US" sz="2400" b="0" i="1" smtClean="0">
-                                                <a:latin typeface="Cambria Math" charset="0"/>
-                                              </a:rPr>
-                                              <m:t>′</m:t>
-                                            </m:r>
-                                          </m:sup>
-                                        </m:sSup>
-                                      </m:e>
-                                    </m:d>
-                                  </m:num>
-                                  <m:den>
-                                    <m:r>
-                                      <a:rPr lang="en-US" sz="2400" b="0" i="1" smtClean="0">
-                                        <a:latin typeface="Cambria Math" charset="0"/>
-                                      </a:rPr>
-                                      <m:t>𝑝</m:t>
-                                    </m:r>
-                                    <m:d>
-                                      <m:dPr>
-                                        <m:ctrlPr>
-                                          <a:rPr lang="en-US" sz="2400" b="0" i="1" smtClean="0">
-                                            <a:latin typeface="Cambria Math" charset="0"/>
-                                          </a:rPr>
-                                        </m:ctrlPr>
-                                      </m:dPr>
-                                      <m:e>
-                                        <m:r>
-                                          <a:rPr lang="en-US" sz="2400" b="0" i="1" smtClean="0">
-                                            <a:latin typeface="Cambria Math" charset="0"/>
-                                          </a:rPr>
-                                          <m:t>𝑐</m:t>
-                                        </m:r>
-                                      </m:e>
-                                    </m:d>
-                                    <m:r>
-                                      <a:rPr lang="en-US" sz="2400" b="0" i="1" smtClean="0">
-                                        <a:latin typeface="Cambria Math" charset="0"/>
-                                      </a:rPr>
-                                      <m:t>𝑝</m:t>
-                                    </m:r>
-                                    <m:r>
-                                      <a:rPr lang="en-US" sz="2400" b="0" i="1" smtClean="0">
-                                        <a:latin typeface="Cambria Math" charset="0"/>
-                                      </a:rPr>
-                                      <m:t>(</m:t>
-                                    </m:r>
-                                    <m:sSup>
-                                      <m:sSupPr>
-                                        <m:ctrlPr>
-                                          <a:rPr lang="en-US" sz="2400" b="0" i="1" smtClean="0">
-                                            <a:latin typeface="Cambria Math" charset="0"/>
-                                          </a:rPr>
-                                        </m:ctrlPr>
-                                      </m:sSupPr>
-                                      <m:e>
-                                        <m:r>
-                                          <a:rPr lang="en-US" sz="2400" b="0" i="1" smtClean="0">
-                                            <a:latin typeface="Cambria Math" charset="0"/>
-                                          </a:rPr>
-                                          <m:t>𝑐</m:t>
-                                        </m:r>
-                                      </m:e>
-                                      <m:sup>
-                                        <m:r>
-                                          <a:rPr lang="en-US" sz="2400" b="0" i="1" smtClean="0">
-                                            <a:latin typeface="Cambria Math" charset="0"/>
-                                          </a:rPr>
-                                          <m:t>′</m:t>
-                                        </m:r>
-                                      </m:sup>
-                                    </m:sSup>
-                                    <m:r>
-                                      <a:rPr lang="en-US" sz="2400" b="0" i="1" smtClean="0">
-                                        <a:latin typeface="Cambria Math" charset="0"/>
-                                      </a:rPr>
-                                      <m:t>)</m:t>
-                                    </m:r>
-                                  </m:den>
-                                </m:f>
-                                <m:r>
-                                  <a:rPr lang="en-US" sz="2400" b="0" i="1" smtClean="0">
-                                    <a:latin typeface="Cambria Math" charset="0"/>
-                                  </a:rPr>
-                                  <m:t>+</m:t>
-                                </m:r>
-                                <m:r>
-                                  <a:rPr lang="en-US" sz="2400" b="0" i="1" smtClean="0">
-                                    <a:latin typeface="Cambria Math" charset="0"/>
-                                  </a:rPr>
-                                  <m:t>𝐺</m:t>
-                                </m:r>
-                              </m:e>
-                            </m:func>
-                          </m:e>
-                        </m:nary>
-                      </m:e>
-                    </m:nary>
-                  </m:oMath>
-                </a14:m>
-                <a:r>
-                  <a:rPr lang="en-US" sz="2400" dirty="0" smtClean="0"/>
-                  <a:t> </a:t>
-                </a:r>
-              </a:p>
-              <a:p>
-                <a:pPr marL="342900" lvl="1" indent="0">
-                  <a:buNone/>
-                </a:pPr>
-                <a:r>
-                  <a:rPr lang="en-US" sz="2400" dirty="0" smtClean="0"/>
-                  <a:t>		</a:t>
-                </a:r>
-                <a:endParaRPr lang="en-US" dirty="0"/>
-              </a:p>
-              <a:p>
-                <a:pPr lvl="1"/>
-                <a:endParaRPr lang="en-US" dirty="0" smtClean="0"/>
-              </a:p>
-              <a:p>
-                <a:pPr lvl="1"/>
-                <a:endParaRPr lang="en-US" dirty="0"/>
-              </a:p>
-              <a:p>
-                <a:endParaRPr lang="en-US" dirty="0"/>
-              </a:p>
-            </p:txBody>
-          </p:sp>
-        </mc:Choice>
-        <mc:Fallback xmlns="">
-          <p:sp>
-            <p:nvSpPr>
-              <p:cNvPr id="3" name="Content Placeholder 2"/>
-              <p:cNvSpPr>
-                <a:spLocks noGrp="1" noRot="1" noChangeAspect="1" noMove="1" noResize="1" noEditPoints="1" noAdjustHandles="1" noChangeArrowheads="1" noChangeShapeType="1" noTextEdit="1"/>
-              </p:cNvSpPr>
-              <p:nvPr>
-                <p:ph idx="1"/>
-              </p:nvPr>
-            </p:nvSpPr>
-            <p:spPr>
-              <a:blipFill rotWithShape="0">
-                <a:blip r:embed="rId4"/>
-                <a:stretch>
-                  <a:fillRect t="-8571"/>
-                </a:stretch>
-              </a:blipFill>
-            </p:spPr>
-            <p:txBody>
-              <a:bodyPr/>
-              <a:lstStyle/>
-              <a:p>
-                <a:r>
-                  <a:rPr lang="en-US">
-                    <a:noFill/>
-                  </a:rPr>
-                  <a:t> </a:t>
-                </a:r>
-              </a:p>
-            </p:txBody>
-          </p:sp>
-        </mc:Fallback>
-      </mc:AlternateContent>
-      <p:sp>
-        <p:nvSpPr>
-          <p:cNvPr id="5" name="Slide Number Placeholder 4"/>
-          <p:cNvSpPr>
-            <a:spLocks noGrp="1"/>
-          </p:cNvSpPr>
-          <p:nvPr>
-            <p:ph type="sldNum" sz="quarter" idx="12"/>
-          </p:nvPr>
-        </p:nvSpPr>
-        <p:spPr/>
-        <p:txBody>
-          <a:bodyPr/>
-          <a:lstStyle/>
-          <a:p>
-            <a:fld id="{5E6A3C3A-A029-4573-BC04-5DA27903A743}" type="slidenum">
-              <a:rPr lang="en-US" smtClean="0"/>
-              <a:t>22</a:t>
-            </a:fld>
-            <a:endParaRPr lang="en-US"/>
-          </a:p>
-        </p:txBody>
-      </p:sp>
-      <p:sp>
-        <p:nvSpPr>
-          <p:cNvPr id="4" name="Footer Placeholder 3"/>
-          <p:cNvSpPr>
-            <a:spLocks noGrp="1"/>
-          </p:cNvSpPr>
-          <p:nvPr>
-            <p:ph type="ftr" sz="quarter" idx="11"/>
-          </p:nvPr>
-        </p:nvSpPr>
-        <p:spPr/>
-        <p:txBody>
-          <a:bodyPr/>
-          <a:lstStyle/>
-          <a:p>
-            <a:r>
-              <a:rPr lang="en-US" smtClean="0"/>
-              <a:t>6501 Natural Language Processing</a:t>
-            </a:r>
-            <a:endParaRPr lang="en-US" dirty="0"/>
-          </a:p>
-        </p:txBody>
-      </p:sp>
-    </p:spTree>
-    <p:extLst>
-      <p:ext uri="{BB962C8B-B14F-4D97-AF65-F5344CB8AC3E}">
-        <p14:creationId xmlns:p14="http://schemas.microsoft.com/office/powerpoint/2010/main" val="1541327765"/>
-      </p:ext>
-    </p:extLst>
-  </p:cSld>
-  <p:clrMapOvr>
-    <a:masterClrMapping/>
-  </p:clrMapOvr>
-  <p:timing>
-    <p:tnLst>
-      <p:par>
-        <p:cTn id="1" dur="indefinite" restart="never" nodeType="tmRoot"/>
-      </p:par>
-    </p:tnLst>
-  </p:timing>
-</p:sld>
-</file>
-
-<file path=ppt/slides/slide23.xml><?xml version="1.0" encoding="utf-8"?>
 <p:sld xmlns:a="http://schemas.openxmlformats.org/drawingml/2006/main" xmlns:r="http://schemas.openxmlformats.org/officeDocument/2006/relationships" xmlns:p="http://schemas.openxmlformats.org/presentationml/2006/main">
   <p:cSld>
     <p:spTree>
@@ -28443,7 +27664,7 @@
           <a:p>
             <a:fld id="{5E6A3C3A-A029-4573-BC04-5DA27903A743}" type="slidenum">
               <a:rPr lang="en-US" smtClean="0"/>
-              <a:t>23</a:t>
+              <a:t>22</a:t>
             </a:fld>
             <a:endParaRPr lang="en-US" dirty="0"/>
           </a:p>
@@ -28683,7 +27904,7 @@
 </p:sld>
 </file>
 
-<file path=ppt/slides/slide24.xml><?xml version="1.0" encoding="utf-8"?>
+<file path=ppt/slides/slide23.xml><?xml version="1.0" encoding="utf-8"?>
 <p:sld xmlns:a="http://schemas.openxmlformats.org/drawingml/2006/main" xmlns:r="http://schemas.openxmlformats.org/officeDocument/2006/relationships" xmlns:p="http://schemas.openxmlformats.org/presentationml/2006/main">
   <p:cSld>
     <p:spTree>
@@ -29256,7 +28477,7 @@
           <a:p>
             <a:fld id="{5E6A3C3A-A029-4573-BC04-5DA27903A743}" type="slidenum">
               <a:rPr lang="en-US" smtClean="0"/>
-              <a:t>24</a:t>
+              <a:t>23</a:t>
             </a:fld>
             <a:endParaRPr lang="en-US" dirty="0"/>
           </a:p>
@@ -29581,7 +28802,7 @@
 </p:sld>
 </file>
 
-<file path=ppt/slides/slide25.xml><?xml version="1.0" encoding="utf-8"?>
+<file path=ppt/slides/slide24.xml><?xml version="1.0" encoding="utf-8"?>
 <p:sld xmlns:a="http://schemas.openxmlformats.org/drawingml/2006/main" xmlns:r="http://schemas.openxmlformats.org/officeDocument/2006/relationships" xmlns:p="http://schemas.openxmlformats.org/presentationml/2006/main">
   <p:cSld>
     <p:spTree>
@@ -29665,7 +28886,7 @@
           <a:p>
             <a:fld id="{5E6A3C3A-A029-4573-BC04-5DA27903A743}" type="slidenum">
               <a:rPr lang="en-US" smtClean="0"/>
-              <a:t>25</a:t>
+              <a:t>24</a:t>
             </a:fld>
             <a:endParaRPr lang="en-US" dirty="0"/>
           </a:p>
@@ -29734,7 +28955,7 @@
 </p:sld>
 </file>
 
-<file path=ppt/slides/slide26.xml><?xml version="1.0" encoding="utf-8"?>
+<file path=ppt/slides/slide25.xml><?xml version="1.0" encoding="utf-8"?>
 <p:sld xmlns:a="http://schemas.openxmlformats.org/drawingml/2006/main" xmlns:r="http://schemas.openxmlformats.org/officeDocument/2006/relationships" xmlns:p="http://schemas.openxmlformats.org/presentationml/2006/main">
   <p:cSld>
     <p:spTree>
@@ -29818,7 +29039,7 @@
           <a:p>
             <a:fld id="{5E6A3C3A-A029-4573-BC04-5DA27903A743}" type="slidenum">
               <a:rPr lang="en-US" smtClean="0"/>
-              <a:t>26</a:t>
+              <a:t>25</a:t>
             </a:fld>
             <a:endParaRPr lang="en-US" dirty="0"/>
           </a:p>
@@ -30486,6 +29707,13 @@
   <p:clrMapOvr>
     <a:masterClrMapping/>
   </p:clrMapOvr>
+  <p:timing>
+    <p:tnLst>
+      <p:par>
+        <p:cTn id="1" dur="indefinite" restart="never" nodeType="tmRoot"/>
+      </p:par>
+    </p:tnLst>
+  </p:timing>
 </p:sld>
 </file>
 
@@ -31769,6 +30997,13 @@
   <p:clrMapOvr>
     <a:masterClrMapping/>
   </p:clrMapOvr>
+  <p:timing>
+    <p:tnLst>
+      <p:par>
+        <p:cTn id="1" dur="indefinite" restart="never" nodeType="tmRoot"/>
+      </p:par>
+    </p:tnLst>
+  </p:timing>
 </p:sld>
 </file>
 
@@ -32171,6 +31406,13 @@
   <p:clrMapOvr>
     <a:masterClrMapping/>
   </p:clrMapOvr>
+  <p:timing>
+    <p:tnLst>
+      <p:par>
+        <p:cTn id="1" dur="indefinite" restart="never" nodeType="tmRoot"/>
+      </p:par>
+    </p:tnLst>
+  </p:timing>
 </p:sld>
 </file>
 
@@ -32336,6 +31578,13 @@
   <p:clrMapOvr>
     <a:masterClrMapping/>
   </p:clrMapOvr>
+  <p:timing>
+    <p:tnLst>
+      <p:par>
+        <p:cTn id="1" dur="indefinite" restart="never" nodeType="tmRoot"/>
+      </p:par>
+    </p:tnLst>
+  </p:timing>
 </p:sld>
 </file>
 
